--- a/demo.pptx
+++ b/demo.pptx
@@ -7,6 +7,12 @@
   <p:sldIdLst>
     <p:sldId id="256" r:id="rId2"/>
     <p:sldId id="257" r:id="rId3"/>
+    <p:sldId id="258" r:id="rId4"/>
+    <p:sldId id="259" r:id="rId5"/>
+    <p:sldId id="260" r:id="rId6"/>
+    <p:sldId id="261" r:id="rId7"/>
+    <p:sldId id="262" r:id="rId8"/>
+    <p:sldId id="263" r:id="rId9"/>
   </p:sldIdLst>
   <p:sldSz cx="9144000" cy="6858000" type="screen4x3"/>
   <p:notesSz cx="6858000" cy="9144000"/>
@@ -105,6 +111,11 @@
       </a:defRPr>
     </a:lvl9pPr>
   </p:defaultTextStyle>
+  <p:extLst>
+    <p:ext uri="{EFAFB233-063F-42B5-8137-9DF3F51BA10A}">
+      <p15:sldGuideLst xmlns:p15="http://schemas.microsoft.com/office/powerpoint/2012/main"/>
+    </p:ext>
+  </p:extLst>
 </p:presentation>
 </file>
 
@@ -3430,7 +3441,7 @@
           <p:cNvPr id="2" name="标题 1">
             <a:extLst>
               <a:ext uri="{FF2B5EF4-FFF2-40B4-BE49-F238E27FC236}">
-                <a16:creationId xmlns:a16="http://schemas.microsoft.com/office/drawing/2014/main" id="{2A8849F4-1351-49C8-8A17-3298AEE9C466}"/>
+                <a16:creationId xmlns:a16="http://schemas.microsoft.com/office/drawing/2014/main" id="{59016983-E418-4F53-B78F-4C089891087C}"/>
               </a:ext>
             </a:extLst>
           </p:cNvPr>
@@ -3447,8 +3458,12 @@
           <a:lstStyle/>
           <a:p>
             <a:r>
+              <a:rPr lang="zh-CN" altLang="en-US" dirty="0"/>
+              <a:t>将仓库克隆到本地，或者直接下载</a:t>
+            </a:r>
+            <a:r>
               <a:rPr lang="en-US" altLang="zh-CN" dirty="0"/>
-              <a:t>00002</a:t>
+              <a:t>release</a:t>
             </a:r>
             <a:endParaRPr lang="zh-CN" altLang="en-US" dirty="0"/>
           </a:p>
@@ -3459,7 +3474,7 @@
           <p:cNvPr id="3" name="内容占位符 2">
             <a:extLst>
               <a:ext uri="{FF2B5EF4-FFF2-40B4-BE49-F238E27FC236}">
-                <a16:creationId xmlns:a16="http://schemas.microsoft.com/office/drawing/2014/main" id="{96347DB4-71B6-4DB6-AA46-CBD6613AB115}"/>
+                <a16:creationId xmlns:a16="http://schemas.microsoft.com/office/drawing/2014/main" id="{67CDAC4C-48A4-4656-B920-CA9F8251064E}"/>
               </a:ext>
             </a:extLst>
           </p:cNvPr>
@@ -3475,14 +3490,1760 @@
           <a:bodyPr/>
           <a:lstStyle/>
           <a:p>
-            <a:endParaRPr lang="zh-CN" altLang="en-US"/>
+            <a:r>
+              <a:rPr lang="en-US" altLang="zh-CN" dirty="0"/>
+              <a:t>Clone the repository locally, or download the release directly</a:t>
+            </a:r>
+            <a:endParaRPr lang="zh-CN" altLang="en-US" dirty="0"/>
           </a:p>
         </p:txBody>
       </p:sp>
     </p:spTree>
     <p:extLst>
       <p:ext uri="{BB962C8B-B14F-4D97-AF65-F5344CB8AC3E}">
-        <p14:creationId xmlns:p14="http://schemas.microsoft.com/office/powerpoint/2010/main" val="3097334835"/>
+        <p14:creationId xmlns:p14="http://schemas.microsoft.com/office/powerpoint/2010/main" val="644050506"/>
+      </p:ext>
+    </p:extLst>
+  </p:cSld>
+  <p:clrMapOvr>
+    <a:masterClrMapping/>
+  </p:clrMapOvr>
+</p:sld>
+</file>
+
+<file path=ppt/slides/slide3.xml><?xml version="1.0" encoding="utf-8"?>
+<p:sld xmlns:a="http://schemas.openxmlformats.org/drawingml/2006/main" xmlns:r="http://schemas.openxmlformats.org/officeDocument/2006/relationships" xmlns:p="http://schemas.openxmlformats.org/presentationml/2006/main">
+  <p:cSld>
+    <p:spTree>
+      <p:nvGrpSpPr>
+        <p:cNvPr id="1" name=""/>
+        <p:cNvGrpSpPr/>
+        <p:nvPr/>
+      </p:nvGrpSpPr>
+      <p:grpSpPr>
+        <a:xfrm>
+          <a:off x="0" y="0"/>
+          <a:ext cx="0" cy="0"/>
+          <a:chOff x="0" y="0"/>
+          <a:chExt cx="0" cy="0"/>
+        </a:xfrm>
+      </p:grpSpPr>
+      <p:sp>
+        <p:nvSpPr>
+          <p:cNvPr id="2" name="标题 1">
+            <a:extLst>
+              <a:ext uri="{FF2B5EF4-FFF2-40B4-BE49-F238E27FC236}">
+                <a16:creationId xmlns:a16="http://schemas.microsoft.com/office/drawing/2014/main" id="{111DF3D3-924B-4CC4-9F94-922766E764DB}"/>
+              </a:ext>
+            </a:extLst>
+          </p:cNvPr>
+          <p:cNvSpPr>
+            <a:spLocks noGrp="1"/>
+          </p:cNvSpPr>
+          <p:nvPr>
+            <p:ph type="title"/>
+          </p:nvPr>
+        </p:nvSpPr>
+        <p:spPr/>
+        <p:txBody>
+          <a:bodyPr/>
+          <a:lstStyle/>
+          <a:p>
+            <a:r>
+              <a:rPr lang="zh-CN" altLang="en-US" dirty="0"/>
+              <a:t>文件</a:t>
+            </a:r>
+            <a:r>
+              <a:rPr lang="en-US" altLang="zh-CN" dirty="0"/>
+              <a:t>-</a:t>
+            </a:r>
+            <a:r>
+              <a:rPr lang="zh-CN" altLang="en-US" dirty="0"/>
+              <a:t>导出</a:t>
+            </a:r>
+            <a:r>
+              <a:rPr lang="en-US" altLang="zh-CN" dirty="0"/>
+              <a:t>-</a:t>
+            </a:r>
+            <a:r>
+              <a:rPr lang="zh-CN" altLang="en-US" dirty="0"/>
+              <a:t>更改文件类型</a:t>
+            </a:r>
+            <a:r>
+              <a:rPr lang="en-US" altLang="zh-CN" dirty="0"/>
+              <a:t>-</a:t>
+            </a:r>
+            <a:r>
+              <a:rPr lang="zh-CN" altLang="en-US" dirty="0"/>
+              <a:t>选择一个图片格式</a:t>
+            </a:r>
+            <a:r>
+              <a:rPr lang="en-US" altLang="zh-CN" dirty="0"/>
+              <a:t>-</a:t>
+            </a:r>
+            <a:r>
+              <a:rPr lang="zh-CN" altLang="en-US" dirty="0"/>
+              <a:t>全部幻灯片</a:t>
+            </a:r>
+          </a:p>
+        </p:txBody>
+      </p:sp>
+      <p:sp>
+        <p:nvSpPr>
+          <p:cNvPr id="3" name="内容占位符 2">
+            <a:extLst>
+              <a:ext uri="{FF2B5EF4-FFF2-40B4-BE49-F238E27FC236}">
+                <a16:creationId xmlns:a16="http://schemas.microsoft.com/office/drawing/2014/main" id="{B97241AA-7D84-49CE-9D71-BDEAAD3A559D}"/>
+              </a:ext>
+            </a:extLst>
+          </p:cNvPr>
+          <p:cNvSpPr>
+            <a:spLocks noGrp="1"/>
+          </p:cNvSpPr>
+          <p:nvPr>
+            <p:ph idx="1"/>
+          </p:nvPr>
+        </p:nvSpPr>
+        <p:spPr/>
+        <p:txBody>
+          <a:bodyPr/>
+          <a:lstStyle/>
+          <a:p>
+            <a:r>
+              <a:rPr lang="en-US" altLang="zh-CN" dirty="0"/>
+              <a:t>File - Export - Change File Type - Select an image format - All Slides</a:t>
+            </a:r>
+            <a:endParaRPr lang="zh-CN" altLang="en-US" dirty="0"/>
+          </a:p>
+        </p:txBody>
+      </p:sp>
+      <p:pic>
+        <p:nvPicPr>
+          <p:cNvPr id="5" name="图片 4">
+            <a:extLst>
+              <a:ext uri="{FF2B5EF4-FFF2-40B4-BE49-F238E27FC236}">
+                <a16:creationId xmlns:a16="http://schemas.microsoft.com/office/drawing/2014/main" id="{952BB109-F4C8-4F34-9642-3D4876C9102D}"/>
+              </a:ext>
+            </a:extLst>
+          </p:cNvPr>
+          <p:cNvPicPr>
+            <a:picLocks noChangeAspect="1"/>
+          </p:cNvPicPr>
+          <p:nvPr/>
+        </p:nvPicPr>
+        <p:blipFill>
+          <a:blip r:embed="rId2"/>
+          <a:stretch>
+            <a:fillRect/>
+          </a:stretch>
+        </p:blipFill>
+        <p:spPr>
+          <a:xfrm>
+            <a:off x="1320407" y="3068419"/>
+            <a:ext cx="1495634" cy="914528"/>
+          </a:xfrm>
+          <a:prstGeom prst="rect">
+            <a:avLst/>
+          </a:prstGeom>
+        </p:spPr>
+      </p:pic>
+      <p:pic>
+        <p:nvPicPr>
+          <p:cNvPr id="7" name="图片 6">
+            <a:extLst>
+              <a:ext uri="{FF2B5EF4-FFF2-40B4-BE49-F238E27FC236}">
+                <a16:creationId xmlns:a16="http://schemas.microsoft.com/office/drawing/2014/main" id="{62F8B121-4652-4D47-82AF-3DF02AD2C2A0}"/>
+              </a:ext>
+            </a:extLst>
+          </p:cNvPr>
+          <p:cNvPicPr>
+            <a:picLocks noChangeAspect="1"/>
+          </p:cNvPicPr>
+          <p:nvPr/>
+        </p:nvPicPr>
+        <p:blipFill>
+          <a:blip r:embed="rId3"/>
+          <a:stretch>
+            <a:fillRect/>
+          </a:stretch>
+        </p:blipFill>
+        <p:spPr>
+          <a:xfrm>
+            <a:off x="190985" y="4421801"/>
+            <a:ext cx="4381015" cy="1669254"/>
+          </a:xfrm>
+          <a:prstGeom prst="rect">
+            <a:avLst/>
+          </a:prstGeom>
+        </p:spPr>
+      </p:pic>
+      <p:pic>
+        <p:nvPicPr>
+          <p:cNvPr id="9" name="图片 8">
+            <a:extLst>
+              <a:ext uri="{FF2B5EF4-FFF2-40B4-BE49-F238E27FC236}">
+                <a16:creationId xmlns:a16="http://schemas.microsoft.com/office/drawing/2014/main" id="{ECF43081-F995-4F82-BE80-09000D89B30D}"/>
+              </a:ext>
+            </a:extLst>
+          </p:cNvPr>
+          <p:cNvPicPr>
+            <a:picLocks noChangeAspect="1"/>
+          </p:cNvPicPr>
+          <p:nvPr/>
+        </p:nvPicPr>
+        <p:blipFill>
+          <a:blip r:embed="rId4"/>
+          <a:stretch>
+            <a:fillRect/>
+          </a:stretch>
+        </p:blipFill>
+        <p:spPr>
+          <a:xfrm>
+            <a:off x="4878967" y="3333496"/>
+            <a:ext cx="3888702" cy="2176611"/>
+          </a:xfrm>
+          <a:prstGeom prst="rect">
+            <a:avLst/>
+          </a:prstGeom>
+        </p:spPr>
+      </p:pic>
+      <p:cxnSp>
+        <p:nvCxnSpPr>
+          <p:cNvPr id="19" name="直接箭头连接符 18">
+            <a:extLst>
+              <a:ext uri="{FF2B5EF4-FFF2-40B4-BE49-F238E27FC236}">
+                <a16:creationId xmlns:a16="http://schemas.microsoft.com/office/drawing/2014/main" id="{FF8E2991-6DAC-4F8E-95A6-0E1921C35329}"/>
+              </a:ext>
+            </a:extLst>
+          </p:cNvPr>
+          <p:cNvCxnSpPr>
+            <a:cxnSpLocks/>
+          </p:cNvCxnSpPr>
+          <p:nvPr/>
+        </p:nvCxnSpPr>
+        <p:spPr>
+          <a:xfrm flipH="1">
+            <a:off x="2068224" y="3259800"/>
+            <a:ext cx="1247753" cy="338400"/>
+          </a:xfrm>
+          <a:prstGeom prst="straightConnector1">
+            <a:avLst/>
+          </a:prstGeom>
+          <a:ln>
+            <a:headEnd type="none" w="med" len="med"/>
+            <a:tailEnd type="arrow" w="med" len="med"/>
+          </a:ln>
+        </p:spPr>
+        <p:style>
+          <a:lnRef idx="3">
+            <a:schemeClr val="dk1"/>
+          </a:lnRef>
+          <a:fillRef idx="0">
+            <a:schemeClr val="dk1"/>
+          </a:fillRef>
+          <a:effectRef idx="2">
+            <a:schemeClr val="dk1"/>
+          </a:effectRef>
+          <a:fontRef idx="minor">
+            <a:schemeClr val="tx1"/>
+          </a:fontRef>
+        </p:style>
+      </p:cxnSp>
+      <p:cxnSp>
+        <p:nvCxnSpPr>
+          <p:cNvPr id="25" name="直接箭头连接符 24">
+            <a:extLst>
+              <a:ext uri="{FF2B5EF4-FFF2-40B4-BE49-F238E27FC236}">
+                <a16:creationId xmlns:a16="http://schemas.microsoft.com/office/drawing/2014/main" id="{F38C01E1-B7AE-4A6A-91DB-9F5197F9C9FD}"/>
+              </a:ext>
+            </a:extLst>
+          </p:cNvPr>
+          <p:cNvCxnSpPr>
+            <a:cxnSpLocks/>
+          </p:cNvCxnSpPr>
+          <p:nvPr/>
+        </p:nvCxnSpPr>
+        <p:spPr>
+          <a:xfrm flipH="1" flipV="1">
+            <a:off x="1568289" y="5742676"/>
+            <a:ext cx="561643" cy="873141"/>
+          </a:xfrm>
+          <a:prstGeom prst="straightConnector1">
+            <a:avLst/>
+          </a:prstGeom>
+          <a:ln>
+            <a:headEnd type="none" w="med" len="med"/>
+            <a:tailEnd type="arrow" w="med" len="med"/>
+          </a:ln>
+        </p:spPr>
+        <p:style>
+          <a:lnRef idx="3">
+            <a:schemeClr val="dk1"/>
+          </a:lnRef>
+          <a:fillRef idx="0">
+            <a:schemeClr val="dk1"/>
+          </a:fillRef>
+          <a:effectRef idx="2">
+            <a:schemeClr val="dk1"/>
+          </a:effectRef>
+          <a:fontRef idx="minor">
+            <a:schemeClr val="tx1"/>
+          </a:fontRef>
+        </p:style>
+      </p:cxnSp>
+      <p:cxnSp>
+        <p:nvCxnSpPr>
+          <p:cNvPr id="27" name="直接箭头连接符 26">
+            <a:extLst>
+              <a:ext uri="{FF2B5EF4-FFF2-40B4-BE49-F238E27FC236}">
+                <a16:creationId xmlns:a16="http://schemas.microsoft.com/office/drawing/2014/main" id="{64A77F78-16EC-4094-9801-90DF1A371448}"/>
+              </a:ext>
+            </a:extLst>
+          </p:cNvPr>
+          <p:cNvCxnSpPr>
+            <a:cxnSpLocks/>
+          </p:cNvCxnSpPr>
+          <p:nvPr/>
+        </p:nvCxnSpPr>
+        <p:spPr>
+          <a:xfrm flipH="1" flipV="1">
+            <a:off x="3257478" y="5217914"/>
+            <a:ext cx="561643" cy="873141"/>
+          </a:xfrm>
+          <a:prstGeom prst="straightConnector1">
+            <a:avLst/>
+          </a:prstGeom>
+          <a:ln>
+            <a:headEnd type="none" w="med" len="med"/>
+            <a:tailEnd type="arrow" w="med" len="med"/>
+          </a:ln>
+        </p:spPr>
+        <p:style>
+          <a:lnRef idx="3">
+            <a:schemeClr val="dk1"/>
+          </a:lnRef>
+          <a:fillRef idx="0">
+            <a:schemeClr val="dk1"/>
+          </a:fillRef>
+          <a:effectRef idx="2">
+            <a:schemeClr val="dk1"/>
+          </a:effectRef>
+          <a:fontRef idx="minor">
+            <a:schemeClr val="tx1"/>
+          </a:fontRef>
+        </p:style>
+      </p:cxnSp>
+      <p:cxnSp>
+        <p:nvCxnSpPr>
+          <p:cNvPr id="28" name="直接箭头连接符 27">
+            <a:extLst>
+              <a:ext uri="{FF2B5EF4-FFF2-40B4-BE49-F238E27FC236}">
+                <a16:creationId xmlns:a16="http://schemas.microsoft.com/office/drawing/2014/main" id="{A39ADBFB-3B69-4862-9E53-CF76B190C07F}"/>
+              </a:ext>
+            </a:extLst>
+          </p:cNvPr>
+          <p:cNvCxnSpPr>
+            <a:cxnSpLocks/>
+          </p:cNvCxnSpPr>
+          <p:nvPr/>
+        </p:nvCxnSpPr>
+        <p:spPr>
+          <a:xfrm flipH="1" flipV="1">
+            <a:off x="6581014" y="3864676"/>
+            <a:ext cx="561643" cy="873141"/>
+          </a:xfrm>
+          <a:prstGeom prst="straightConnector1">
+            <a:avLst/>
+          </a:prstGeom>
+          <a:ln>
+            <a:headEnd type="none" w="med" len="med"/>
+            <a:tailEnd type="arrow" w="med" len="med"/>
+          </a:ln>
+        </p:spPr>
+        <p:style>
+          <a:lnRef idx="3">
+            <a:schemeClr val="dk1"/>
+          </a:lnRef>
+          <a:fillRef idx="0">
+            <a:schemeClr val="dk1"/>
+          </a:fillRef>
+          <a:effectRef idx="2">
+            <a:schemeClr val="dk1"/>
+          </a:effectRef>
+          <a:fontRef idx="minor">
+            <a:schemeClr val="tx1"/>
+          </a:fontRef>
+        </p:style>
+      </p:cxnSp>
+      <p:cxnSp>
+        <p:nvCxnSpPr>
+          <p:cNvPr id="29" name="直接箭头连接符 28">
+            <a:extLst>
+              <a:ext uri="{FF2B5EF4-FFF2-40B4-BE49-F238E27FC236}">
+                <a16:creationId xmlns:a16="http://schemas.microsoft.com/office/drawing/2014/main" id="{022C2D8C-E772-4F07-A8B4-981C33137919}"/>
+              </a:ext>
+            </a:extLst>
+          </p:cNvPr>
+          <p:cNvCxnSpPr>
+            <a:cxnSpLocks/>
+          </p:cNvCxnSpPr>
+          <p:nvPr/>
+        </p:nvCxnSpPr>
+        <p:spPr>
+          <a:xfrm flipH="1" flipV="1">
+            <a:off x="5601225" y="4970394"/>
+            <a:ext cx="561643" cy="873141"/>
+          </a:xfrm>
+          <a:prstGeom prst="straightConnector1">
+            <a:avLst/>
+          </a:prstGeom>
+          <a:ln>
+            <a:headEnd type="none" w="med" len="med"/>
+            <a:tailEnd type="arrow" w="med" len="med"/>
+          </a:ln>
+        </p:spPr>
+        <p:style>
+          <a:lnRef idx="3">
+            <a:schemeClr val="dk1"/>
+          </a:lnRef>
+          <a:fillRef idx="0">
+            <a:schemeClr val="dk1"/>
+          </a:fillRef>
+          <a:effectRef idx="2">
+            <a:schemeClr val="dk1"/>
+          </a:effectRef>
+          <a:fontRef idx="minor">
+            <a:schemeClr val="tx1"/>
+          </a:fontRef>
+        </p:style>
+      </p:cxnSp>
+      <p:sp>
+        <p:nvSpPr>
+          <p:cNvPr id="30" name="文本框 29">
+            <a:extLst>
+              <a:ext uri="{FF2B5EF4-FFF2-40B4-BE49-F238E27FC236}">
+                <a16:creationId xmlns:a16="http://schemas.microsoft.com/office/drawing/2014/main" id="{23A3E767-D1B2-4994-A29E-0B87AB7FDEBD}"/>
+              </a:ext>
+            </a:extLst>
+          </p:cNvPr>
+          <p:cNvSpPr txBox="1"/>
+          <p:nvPr/>
+        </p:nvSpPr>
+        <p:spPr>
+          <a:xfrm>
+            <a:off x="3350379" y="3103692"/>
+            <a:ext cx="268842" cy="369332"/>
+          </a:xfrm>
+          <a:prstGeom prst="rect">
+            <a:avLst/>
+          </a:prstGeom>
+          <a:noFill/>
+        </p:spPr>
+        <p:txBody>
+          <a:bodyPr wrap="square" rtlCol="0">
+            <a:spAutoFit/>
+          </a:bodyPr>
+          <a:lstStyle/>
+          <a:p>
+            <a:r>
+              <a:rPr lang="en-US" altLang="zh-CN" dirty="0"/>
+              <a:t>1</a:t>
+            </a:r>
+            <a:endParaRPr lang="zh-CN" altLang="en-US" dirty="0"/>
+          </a:p>
+        </p:txBody>
+      </p:sp>
+      <p:sp>
+        <p:nvSpPr>
+          <p:cNvPr id="31" name="文本框 30">
+            <a:extLst>
+              <a:ext uri="{FF2B5EF4-FFF2-40B4-BE49-F238E27FC236}">
+                <a16:creationId xmlns:a16="http://schemas.microsoft.com/office/drawing/2014/main" id="{B6988A33-8DB3-4A76-9915-E205108DD352}"/>
+              </a:ext>
+            </a:extLst>
+          </p:cNvPr>
+          <p:cNvSpPr txBox="1"/>
+          <p:nvPr/>
+        </p:nvSpPr>
+        <p:spPr>
+          <a:xfrm>
+            <a:off x="2068224" y="6387384"/>
+            <a:ext cx="617376" cy="369332"/>
+          </a:xfrm>
+          <a:prstGeom prst="rect">
+            <a:avLst/>
+          </a:prstGeom>
+          <a:noFill/>
+        </p:spPr>
+        <p:txBody>
+          <a:bodyPr wrap="square" rtlCol="0">
+            <a:spAutoFit/>
+          </a:bodyPr>
+          <a:lstStyle/>
+          <a:p>
+            <a:r>
+              <a:rPr lang="en-US" altLang="zh-CN" dirty="0"/>
+              <a:t>2</a:t>
+            </a:r>
+            <a:endParaRPr lang="zh-CN" altLang="en-US" dirty="0"/>
+          </a:p>
+        </p:txBody>
+      </p:sp>
+      <p:sp>
+        <p:nvSpPr>
+          <p:cNvPr id="32" name="文本框 31">
+            <a:extLst>
+              <a:ext uri="{FF2B5EF4-FFF2-40B4-BE49-F238E27FC236}">
+                <a16:creationId xmlns:a16="http://schemas.microsoft.com/office/drawing/2014/main" id="{A8A3D9F6-A172-4A74-9C25-BC14B0FC49DF}"/>
+              </a:ext>
+            </a:extLst>
+          </p:cNvPr>
+          <p:cNvSpPr txBox="1"/>
+          <p:nvPr/>
+        </p:nvSpPr>
+        <p:spPr>
+          <a:xfrm>
+            <a:off x="3819121" y="5850585"/>
+            <a:ext cx="561643" cy="369332"/>
+          </a:xfrm>
+          <a:prstGeom prst="rect">
+            <a:avLst/>
+          </a:prstGeom>
+          <a:noFill/>
+        </p:spPr>
+        <p:txBody>
+          <a:bodyPr wrap="square" rtlCol="0">
+            <a:spAutoFit/>
+          </a:bodyPr>
+          <a:lstStyle/>
+          <a:p>
+            <a:r>
+              <a:rPr lang="en-US" altLang="zh-CN" dirty="0"/>
+              <a:t>3</a:t>
+            </a:r>
+            <a:endParaRPr lang="zh-CN" altLang="en-US" dirty="0"/>
+          </a:p>
+        </p:txBody>
+      </p:sp>
+      <p:sp>
+        <p:nvSpPr>
+          <p:cNvPr id="33" name="文本框 32">
+            <a:extLst>
+              <a:ext uri="{FF2B5EF4-FFF2-40B4-BE49-F238E27FC236}">
+                <a16:creationId xmlns:a16="http://schemas.microsoft.com/office/drawing/2014/main" id="{E668588B-6679-424C-A5BD-8C6734FA3C5D}"/>
+              </a:ext>
+            </a:extLst>
+          </p:cNvPr>
+          <p:cNvSpPr txBox="1"/>
+          <p:nvPr/>
+        </p:nvSpPr>
+        <p:spPr>
+          <a:xfrm>
+            <a:off x="7142657" y="4503421"/>
+            <a:ext cx="851351" cy="369332"/>
+          </a:xfrm>
+          <a:prstGeom prst="rect">
+            <a:avLst/>
+          </a:prstGeom>
+          <a:noFill/>
+        </p:spPr>
+        <p:txBody>
+          <a:bodyPr wrap="square" rtlCol="0">
+            <a:spAutoFit/>
+          </a:bodyPr>
+          <a:lstStyle/>
+          <a:p>
+            <a:r>
+              <a:rPr lang="en-US" altLang="zh-CN" dirty="0"/>
+              <a:t>4</a:t>
+            </a:r>
+            <a:endParaRPr lang="zh-CN" altLang="en-US" dirty="0"/>
+          </a:p>
+        </p:txBody>
+      </p:sp>
+      <p:sp>
+        <p:nvSpPr>
+          <p:cNvPr id="34" name="文本框 33">
+            <a:extLst>
+              <a:ext uri="{FF2B5EF4-FFF2-40B4-BE49-F238E27FC236}">
+                <a16:creationId xmlns:a16="http://schemas.microsoft.com/office/drawing/2014/main" id="{9B2EA48E-6407-47B7-9AE0-A11246FB3A01}"/>
+              </a:ext>
+            </a:extLst>
+          </p:cNvPr>
+          <p:cNvSpPr txBox="1"/>
+          <p:nvPr/>
+        </p:nvSpPr>
+        <p:spPr>
+          <a:xfrm>
+            <a:off x="6162868" y="5711586"/>
+            <a:ext cx="722258" cy="369332"/>
+          </a:xfrm>
+          <a:prstGeom prst="rect">
+            <a:avLst/>
+          </a:prstGeom>
+          <a:noFill/>
+        </p:spPr>
+        <p:txBody>
+          <a:bodyPr wrap="square" rtlCol="0">
+            <a:spAutoFit/>
+          </a:bodyPr>
+          <a:lstStyle/>
+          <a:p>
+            <a:r>
+              <a:rPr lang="en-US" altLang="zh-CN" dirty="0"/>
+              <a:t>5</a:t>
+            </a:r>
+            <a:endParaRPr lang="zh-CN" altLang="en-US" dirty="0"/>
+          </a:p>
+        </p:txBody>
+      </p:sp>
+    </p:spTree>
+    <p:extLst>
+      <p:ext uri="{BB962C8B-B14F-4D97-AF65-F5344CB8AC3E}">
+        <p14:creationId xmlns:p14="http://schemas.microsoft.com/office/powerpoint/2010/main" val="372976726"/>
+      </p:ext>
+    </p:extLst>
+  </p:cSld>
+  <p:clrMapOvr>
+    <a:masterClrMapping/>
+  </p:clrMapOvr>
+</p:sld>
+</file>
+
+<file path=ppt/slides/slide4.xml><?xml version="1.0" encoding="utf-8"?>
+<p:sld xmlns:a="http://schemas.openxmlformats.org/drawingml/2006/main" xmlns:r="http://schemas.openxmlformats.org/officeDocument/2006/relationships" xmlns:p="http://schemas.openxmlformats.org/presentationml/2006/main">
+  <p:cSld>
+    <p:spTree>
+      <p:nvGrpSpPr>
+        <p:cNvPr id="1" name=""/>
+        <p:cNvGrpSpPr/>
+        <p:nvPr/>
+      </p:nvGrpSpPr>
+      <p:grpSpPr>
+        <a:xfrm>
+          <a:off x="0" y="0"/>
+          <a:ext cx="0" cy="0"/>
+          <a:chOff x="0" y="0"/>
+          <a:chExt cx="0" cy="0"/>
+        </a:xfrm>
+      </p:grpSpPr>
+      <p:sp>
+        <p:nvSpPr>
+          <p:cNvPr id="2" name="标题 1">
+            <a:extLst>
+              <a:ext uri="{FF2B5EF4-FFF2-40B4-BE49-F238E27FC236}">
+                <a16:creationId xmlns:a16="http://schemas.microsoft.com/office/drawing/2014/main" id="{111DF3D3-924B-4CC4-9F94-922766E764DB}"/>
+              </a:ext>
+            </a:extLst>
+          </p:cNvPr>
+          <p:cNvSpPr>
+            <a:spLocks noGrp="1"/>
+          </p:cNvSpPr>
+          <p:nvPr>
+            <p:ph type="title"/>
+          </p:nvPr>
+        </p:nvSpPr>
+        <p:spPr/>
+        <p:txBody>
+          <a:bodyPr/>
+          <a:lstStyle/>
+          <a:p>
+            <a:r>
+              <a:rPr lang="zh-CN" altLang="en-US" dirty="0"/>
+              <a:t>文件</a:t>
+            </a:r>
+            <a:r>
+              <a:rPr lang="en-US" altLang="zh-CN" dirty="0"/>
+              <a:t>-</a:t>
+            </a:r>
+            <a:r>
+              <a:rPr lang="zh-CN" altLang="en-US" dirty="0"/>
+              <a:t>导出</a:t>
+            </a:r>
+            <a:r>
+              <a:rPr lang="en-US" altLang="zh-CN" dirty="0"/>
+              <a:t>-</a:t>
+            </a:r>
+            <a:r>
+              <a:rPr lang="zh-CN" altLang="en-US" dirty="0"/>
+              <a:t>更改文件类型</a:t>
+            </a:r>
+            <a:r>
+              <a:rPr lang="en-US" altLang="zh-CN" dirty="0"/>
+              <a:t>-</a:t>
+            </a:r>
+            <a:r>
+              <a:rPr lang="zh-CN" altLang="en-US" dirty="0"/>
+              <a:t>选择一个图片格式</a:t>
+            </a:r>
+            <a:r>
+              <a:rPr lang="en-US" altLang="zh-CN" dirty="0"/>
+              <a:t>-</a:t>
+            </a:r>
+            <a:r>
+              <a:rPr lang="zh-CN" altLang="en-US" dirty="0"/>
+              <a:t>全部幻灯片</a:t>
+            </a:r>
+          </a:p>
+        </p:txBody>
+      </p:sp>
+      <p:sp>
+        <p:nvSpPr>
+          <p:cNvPr id="3" name="内容占位符 2">
+            <a:extLst>
+              <a:ext uri="{FF2B5EF4-FFF2-40B4-BE49-F238E27FC236}">
+                <a16:creationId xmlns:a16="http://schemas.microsoft.com/office/drawing/2014/main" id="{B97241AA-7D84-49CE-9D71-BDEAAD3A559D}"/>
+              </a:ext>
+            </a:extLst>
+          </p:cNvPr>
+          <p:cNvSpPr>
+            <a:spLocks noGrp="1"/>
+          </p:cNvSpPr>
+          <p:nvPr>
+            <p:ph idx="1"/>
+          </p:nvPr>
+        </p:nvSpPr>
+        <p:spPr/>
+        <p:txBody>
+          <a:bodyPr/>
+          <a:lstStyle/>
+          <a:p>
+            <a:r>
+              <a:rPr lang="en-US" altLang="zh-CN" dirty="0"/>
+              <a:t>File - Export - Change File Type - Select an image format - All Slides</a:t>
+            </a:r>
+            <a:endParaRPr lang="zh-CN" altLang="en-US" dirty="0"/>
+          </a:p>
+        </p:txBody>
+      </p:sp>
+      <p:pic>
+        <p:nvPicPr>
+          <p:cNvPr id="11" name="图片 10">
+            <a:extLst>
+              <a:ext uri="{FF2B5EF4-FFF2-40B4-BE49-F238E27FC236}">
+                <a16:creationId xmlns:a16="http://schemas.microsoft.com/office/drawing/2014/main" id="{EEBE5428-65F8-431B-9849-E000BFB09468}"/>
+              </a:ext>
+            </a:extLst>
+          </p:cNvPr>
+          <p:cNvPicPr>
+            <a:picLocks noChangeAspect="1"/>
+          </p:cNvPicPr>
+          <p:nvPr/>
+        </p:nvPicPr>
+        <p:blipFill>
+          <a:blip r:embed="rId2"/>
+          <a:stretch>
+            <a:fillRect/>
+          </a:stretch>
+        </p:blipFill>
+        <p:spPr>
+          <a:xfrm>
+            <a:off x="617926" y="2810526"/>
+            <a:ext cx="1951921" cy="3682348"/>
+          </a:xfrm>
+          <a:prstGeom prst="rect">
+            <a:avLst/>
+          </a:prstGeom>
+        </p:spPr>
+      </p:pic>
+      <p:pic>
+        <p:nvPicPr>
+          <p:cNvPr id="13" name="图片 12">
+            <a:extLst>
+              <a:ext uri="{FF2B5EF4-FFF2-40B4-BE49-F238E27FC236}">
+                <a16:creationId xmlns:a16="http://schemas.microsoft.com/office/drawing/2014/main" id="{48AACB7D-DE00-4007-82F5-B5D40C7DA187}"/>
+              </a:ext>
+            </a:extLst>
+          </p:cNvPr>
+          <p:cNvPicPr>
+            <a:picLocks noChangeAspect="1"/>
+          </p:cNvPicPr>
+          <p:nvPr/>
+        </p:nvPicPr>
+        <p:blipFill>
+          <a:blip r:embed="rId3"/>
+          <a:stretch>
+            <a:fillRect/>
+          </a:stretch>
+        </p:blipFill>
+        <p:spPr>
+          <a:xfrm>
+            <a:off x="4167131" y="5254451"/>
+            <a:ext cx="3477110" cy="1238423"/>
+          </a:xfrm>
+          <a:prstGeom prst="rect">
+            <a:avLst/>
+          </a:prstGeom>
+        </p:spPr>
+      </p:pic>
+      <p:pic>
+        <p:nvPicPr>
+          <p:cNvPr id="6" name="图片 5">
+            <a:extLst>
+              <a:ext uri="{FF2B5EF4-FFF2-40B4-BE49-F238E27FC236}">
+                <a16:creationId xmlns:a16="http://schemas.microsoft.com/office/drawing/2014/main" id="{172F61CA-63B8-4E2A-97AC-6577217C211F}"/>
+              </a:ext>
+            </a:extLst>
+          </p:cNvPr>
+          <p:cNvPicPr>
+            <a:picLocks noChangeAspect="1"/>
+          </p:cNvPicPr>
+          <p:nvPr/>
+        </p:nvPicPr>
+        <p:blipFill>
+          <a:blip r:embed="rId4"/>
+          <a:stretch>
+            <a:fillRect/>
+          </a:stretch>
+        </p:blipFill>
+        <p:spPr>
+          <a:xfrm>
+            <a:off x="4167131" y="2810526"/>
+            <a:ext cx="2667372" cy="1047896"/>
+          </a:xfrm>
+          <a:prstGeom prst="rect">
+            <a:avLst/>
+          </a:prstGeom>
+        </p:spPr>
+      </p:pic>
+      <p:cxnSp>
+        <p:nvCxnSpPr>
+          <p:cNvPr id="12" name="直接箭头连接符 11">
+            <a:extLst>
+              <a:ext uri="{FF2B5EF4-FFF2-40B4-BE49-F238E27FC236}">
+                <a16:creationId xmlns:a16="http://schemas.microsoft.com/office/drawing/2014/main" id="{665B529A-63BC-4CA8-A8B8-94F19CE45FC3}"/>
+              </a:ext>
+            </a:extLst>
+          </p:cNvPr>
+          <p:cNvCxnSpPr>
+            <a:cxnSpLocks/>
+          </p:cNvCxnSpPr>
+          <p:nvPr/>
+        </p:nvCxnSpPr>
+        <p:spPr>
+          <a:xfrm flipH="1">
+            <a:off x="1742578" y="5479576"/>
+            <a:ext cx="909652" cy="448022"/>
+          </a:xfrm>
+          <a:prstGeom prst="straightConnector1">
+            <a:avLst/>
+          </a:prstGeom>
+          <a:ln>
+            <a:headEnd type="none" w="med" len="med"/>
+            <a:tailEnd type="arrow" w="med" len="med"/>
+          </a:ln>
+        </p:spPr>
+        <p:style>
+          <a:lnRef idx="3">
+            <a:schemeClr val="dk1"/>
+          </a:lnRef>
+          <a:fillRef idx="0">
+            <a:schemeClr val="dk1"/>
+          </a:fillRef>
+          <a:effectRef idx="2">
+            <a:schemeClr val="dk1"/>
+          </a:effectRef>
+          <a:fontRef idx="minor">
+            <a:schemeClr val="tx1"/>
+          </a:fontRef>
+        </p:style>
+      </p:cxnSp>
+      <p:cxnSp>
+        <p:nvCxnSpPr>
+          <p:cNvPr id="14" name="直接箭头连接符 13">
+            <a:extLst>
+              <a:ext uri="{FF2B5EF4-FFF2-40B4-BE49-F238E27FC236}">
+                <a16:creationId xmlns:a16="http://schemas.microsoft.com/office/drawing/2014/main" id="{60EEB3BC-33FF-427B-B4EE-36D31708A286}"/>
+              </a:ext>
+            </a:extLst>
+          </p:cNvPr>
+          <p:cNvCxnSpPr>
+            <a:cxnSpLocks/>
+          </p:cNvCxnSpPr>
+          <p:nvPr/>
+        </p:nvCxnSpPr>
+        <p:spPr>
+          <a:xfrm flipH="1" flipV="1">
+            <a:off x="6012512" y="3579807"/>
+            <a:ext cx="561643" cy="873141"/>
+          </a:xfrm>
+          <a:prstGeom prst="straightConnector1">
+            <a:avLst/>
+          </a:prstGeom>
+          <a:ln>
+            <a:headEnd type="none" w="med" len="med"/>
+            <a:tailEnd type="arrow" w="med" len="med"/>
+          </a:ln>
+        </p:spPr>
+        <p:style>
+          <a:lnRef idx="3">
+            <a:schemeClr val="dk1"/>
+          </a:lnRef>
+          <a:fillRef idx="0">
+            <a:schemeClr val="dk1"/>
+          </a:fillRef>
+          <a:effectRef idx="2">
+            <a:schemeClr val="dk1"/>
+          </a:effectRef>
+          <a:fontRef idx="minor">
+            <a:schemeClr val="tx1"/>
+          </a:fontRef>
+        </p:style>
+      </p:cxnSp>
+      <p:cxnSp>
+        <p:nvCxnSpPr>
+          <p:cNvPr id="15" name="直接箭头连接符 14">
+            <a:extLst>
+              <a:ext uri="{FF2B5EF4-FFF2-40B4-BE49-F238E27FC236}">
+                <a16:creationId xmlns:a16="http://schemas.microsoft.com/office/drawing/2014/main" id="{E12805B3-4145-439F-BF2D-EA2C45AD6AC9}"/>
+              </a:ext>
+            </a:extLst>
+          </p:cNvPr>
+          <p:cNvCxnSpPr>
+            <a:cxnSpLocks/>
+          </p:cNvCxnSpPr>
+          <p:nvPr/>
+        </p:nvCxnSpPr>
+        <p:spPr>
+          <a:xfrm flipH="1">
+            <a:off x="6444232" y="4843323"/>
+            <a:ext cx="1532884" cy="1084276"/>
+          </a:xfrm>
+          <a:prstGeom prst="straightConnector1">
+            <a:avLst/>
+          </a:prstGeom>
+          <a:ln>
+            <a:headEnd type="none" w="med" len="med"/>
+            <a:tailEnd type="arrow" w="med" len="med"/>
+          </a:ln>
+        </p:spPr>
+        <p:style>
+          <a:lnRef idx="3">
+            <a:schemeClr val="dk1"/>
+          </a:lnRef>
+          <a:fillRef idx="0">
+            <a:schemeClr val="dk1"/>
+          </a:fillRef>
+          <a:effectRef idx="2">
+            <a:schemeClr val="dk1"/>
+          </a:effectRef>
+          <a:fontRef idx="minor">
+            <a:schemeClr val="tx1"/>
+          </a:fontRef>
+        </p:style>
+      </p:cxnSp>
+      <p:sp>
+        <p:nvSpPr>
+          <p:cNvPr id="16" name="文本框 15">
+            <a:extLst>
+              <a:ext uri="{FF2B5EF4-FFF2-40B4-BE49-F238E27FC236}">
+                <a16:creationId xmlns:a16="http://schemas.microsoft.com/office/drawing/2014/main" id="{C58D2410-E177-46AE-B474-E5133F7ABAF2}"/>
+              </a:ext>
+            </a:extLst>
+          </p:cNvPr>
+          <p:cNvSpPr txBox="1"/>
+          <p:nvPr/>
+        </p:nvSpPr>
+        <p:spPr>
+          <a:xfrm>
+            <a:off x="2569847" y="5254451"/>
+            <a:ext cx="671496" cy="369332"/>
+          </a:xfrm>
+          <a:prstGeom prst="rect">
+            <a:avLst/>
+          </a:prstGeom>
+          <a:noFill/>
+        </p:spPr>
+        <p:txBody>
+          <a:bodyPr wrap="square" rtlCol="0">
+            <a:spAutoFit/>
+          </a:bodyPr>
+          <a:lstStyle/>
+          <a:p>
+            <a:r>
+              <a:rPr lang="en-US" altLang="zh-CN" dirty="0"/>
+              <a:t>6</a:t>
+            </a:r>
+            <a:endParaRPr lang="zh-CN" altLang="en-US" dirty="0"/>
+          </a:p>
+        </p:txBody>
+      </p:sp>
+      <p:sp>
+        <p:nvSpPr>
+          <p:cNvPr id="17" name="文本框 16">
+            <a:extLst>
+              <a:ext uri="{FF2B5EF4-FFF2-40B4-BE49-F238E27FC236}">
+                <a16:creationId xmlns:a16="http://schemas.microsoft.com/office/drawing/2014/main" id="{145C3D21-260E-4D24-B83B-3F84806C4192}"/>
+              </a:ext>
+            </a:extLst>
+          </p:cNvPr>
+          <p:cNvSpPr txBox="1"/>
+          <p:nvPr/>
+        </p:nvSpPr>
+        <p:spPr>
+          <a:xfrm>
+            <a:off x="6563429" y="4271749"/>
+            <a:ext cx="642589" cy="369332"/>
+          </a:xfrm>
+          <a:prstGeom prst="rect">
+            <a:avLst/>
+          </a:prstGeom>
+          <a:noFill/>
+        </p:spPr>
+        <p:txBody>
+          <a:bodyPr wrap="square" rtlCol="0">
+            <a:spAutoFit/>
+          </a:bodyPr>
+          <a:lstStyle/>
+          <a:p>
+            <a:r>
+              <a:rPr lang="en-US" altLang="zh-CN" dirty="0"/>
+              <a:t>7</a:t>
+            </a:r>
+            <a:endParaRPr lang="zh-CN" altLang="en-US" dirty="0"/>
+          </a:p>
+        </p:txBody>
+      </p:sp>
+      <p:sp>
+        <p:nvSpPr>
+          <p:cNvPr id="18" name="文本框 17">
+            <a:extLst>
+              <a:ext uri="{FF2B5EF4-FFF2-40B4-BE49-F238E27FC236}">
+                <a16:creationId xmlns:a16="http://schemas.microsoft.com/office/drawing/2014/main" id="{BFF42EF3-6C1C-4CF4-84D7-3801231AD452}"/>
+              </a:ext>
+            </a:extLst>
+          </p:cNvPr>
+          <p:cNvSpPr txBox="1"/>
+          <p:nvPr/>
+        </p:nvSpPr>
+        <p:spPr>
+          <a:xfrm>
+            <a:off x="7977116" y="4531056"/>
+            <a:ext cx="914400" cy="369332"/>
+          </a:xfrm>
+          <a:prstGeom prst="rect">
+            <a:avLst/>
+          </a:prstGeom>
+          <a:noFill/>
+        </p:spPr>
+        <p:txBody>
+          <a:bodyPr wrap="square" rtlCol="0">
+            <a:spAutoFit/>
+          </a:bodyPr>
+          <a:lstStyle/>
+          <a:p>
+            <a:r>
+              <a:rPr lang="en-US" altLang="zh-CN" dirty="0"/>
+              <a:t>8</a:t>
+            </a:r>
+          </a:p>
+        </p:txBody>
+      </p:sp>
+    </p:spTree>
+    <p:extLst>
+      <p:ext uri="{BB962C8B-B14F-4D97-AF65-F5344CB8AC3E}">
+        <p14:creationId xmlns:p14="http://schemas.microsoft.com/office/powerpoint/2010/main" val="1688031602"/>
+      </p:ext>
+    </p:extLst>
+  </p:cSld>
+  <p:clrMapOvr>
+    <a:masterClrMapping/>
+  </p:clrMapOvr>
+</p:sld>
+</file>
+
+<file path=ppt/slides/slide5.xml><?xml version="1.0" encoding="utf-8"?>
+<p:sld xmlns:a="http://schemas.openxmlformats.org/drawingml/2006/main" xmlns:r="http://schemas.openxmlformats.org/officeDocument/2006/relationships" xmlns:p="http://schemas.openxmlformats.org/presentationml/2006/main">
+  <p:cSld>
+    <p:spTree>
+      <p:nvGrpSpPr>
+        <p:cNvPr id="1" name=""/>
+        <p:cNvGrpSpPr/>
+        <p:nvPr/>
+      </p:nvGrpSpPr>
+      <p:grpSpPr>
+        <a:xfrm>
+          <a:off x="0" y="0"/>
+          <a:ext cx="0" cy="0"/>
+          <a:chOff x="0" y="0"/>
+          <a:chExt cx="0" cy="0"/>
+        </a:xfrm>
+      </p:grpSpPr>
+      <p:sp>
+        <p:nvSpPr>
+          <p:cNvPr id="2" name="标题 1">
+            <a:extLst>
+              <a:ext uri="{FF2B5EF4-FFF2-40B4-BE49-F238E27FC236}">
+                <a16:creationId xmlns:a16="http://schemas.microsoft.com/office/drawing/2014/main" id="{C300E9CC-435F-4339-A1BC-DF8AE8811A68}"/>
+              </a:ext>
+            </a:extLst>
+          </p:cNvPr>
+          <p:cNvSpPr>
+            <a:spLocks noGrp="1"/>
+          </p:cNvSpPr>
+          <p:nvPr>
+            <p:ph type="title"/>
+          </p:nvPr>
+        </p:nvSpPr>
+        <p:spPr/>
+        <p:txBody>
+          <a:bodyPr/>
+          <a:lstStyle/>
+          <a:p>
+            <a:r>
+              <a:rPr lang="zh-CN" altLang="en-US" dirty="0"/>
+              <a:t>将图片全部复制到</a:t>
+            </a:r>
+            <a:r>
+              <a:rPr lang="en-US" altLang="zh-CN" dirty="0"/>
+              <a:t>`assets`</a:t>
+            </a:r>
+            <a:r>
+              <a:rPr lang="zh-CN" altLang="en-US" dirty="0"/>
+              <a:t>文件夹中</a:t>
+            </a:r>
+          </a:p>
+        </p:txBody>
+      </p:sp>
+      <p:sp>
+        <p:nvSpPr>
+          <p:cNvPr id="3" name="内容占位符 2">
+            <a:extLst>
+              <a:ext uri="{FF2B5EF4-FFF2-40B4-BE49-F238E27FC236}">
+                <a16:creationId xmlns:a16="http://schemas.microsoft.com/office/drawing/2014/main" id="{ABF81DD1-EC76-4F91-9AE4-C051D6E5D17A}"/>
+              </a:ext>
+            </a:extLst>
+          </p:cNvPr>
+          <p:cNvSpPr>
+            <a:spLocks noGrp="1"/>
+          </p:cNvSpPr>
+          <p:nvPr>
+            <p:ph idx="1"/>
+          </p:nvPr>
+        </p:nvSpPr>
+        <p:spPr/>
+        <p:txBody>
+          <a:bodyPr/>
+          <a:lstStyle/>
+          <a:p>
+            <a:r>
+              <a:rPr lang="en-US" altLang="zh-CN" dirty="0"/>
+              <a:t>Copy all the images to the `assets` folder</a:t>
+            </a:r>
+            <a:endParaRPr lang="zh-CN" altLang="en-US" dirty="0"/>
+          </a:p>
+        </p:txBody>
+      </p:sp>
+      <p:pic>
+        <p:nvPicPr>
+          <p:cNvPr id="6" name="图片 5">
+            <a:extLst>
+              <a:ext uri="{FF2B5EF4-FFF2-40B4-BE49-F238E27FC236}">
+                <a16:creationId xmlns:a16="http://schemas.microsoft.com/office/drawing/2014/main" id="{CABB8D3A-421A-4EBD-B387-95A3F41E2574}"/>
+              </a:ext>
+            </a:extLst>
+          </p:cNvPr>
+          <p:cNvPicPr>
+            <a:picLocks noChangeAspect="1"/>
+          </p:cNvPicPr>
+          <p:nvPr/>
+        </p:nvPicPr>
+        <p:blipFill>
+          <a:blip r:embed="rId2"/>
+          <a:stretch>
+            <a:fillRect/>
+          </a:stretch>
+        </p:blipFill>
+        <p:spPr>
+          <a:xfrm>
+            <a:off x="569869" y="2447787"/>
+            <a:ext cx="4136769" cy="4116785"/>
+          </a:xfrm>
+          <a:prstGeom prst="rect">
+            <a:avLst/>
+          </a:prstGeom>
+        </p:spPr>
+      </p:pic>
+    </p:spTree>
+    <p:extLst>
+      <p:ext uri="{BB962C8B-B14F-4D97-AF65-F5344CB8AC3E}">
+        <p14:creationId xmlns:p14="http://schemas.microsoft.com/office/powerpoint/2010/main" val="2765697273"/>
+      </p:ext>
+    </p:extLst>
+  </p:cSld>
+  <p:clrMapOvr>
+    <a:masterClrMapping/>
+  </p:clrMapOvr>
+</p:sld>
+</file>
+
+<file path=ppt/slides/slide6.xml><?xml version="1.0" encoding="utf-8"?>
+<p:sld xmlns:a="http://schemas.openxmlformats.org/drawingml/2006/main" xmlns:r="http://schemas.openxmlformats.org/officeDocument/2006/relationships" xmlns:p="http://schemas.openxmlformats.org/presentationml/2006/main">
+  <p:cSld>
+    <p:spTree>
+      <p:nvGrpSpPr>
+        <p:cNvPr id="1" name=""/>
+        <p:cNvGrpSpPr/>
+        <p:nvPr/>
+      </p:nvGrpSpPr>
+      <p:grpSpPr>
+        <a:xfrm>
+          <a:off x="0" y="0"/>
+          <a:ext cx="0" cy="0"/>
+          <a:chOff x="0" y="0"/>
+          <a:chExt cx="0" cy="0"/>
+        </a:xfrm>
+      </p:grpSpPr>
+      <p:sp>
+        <p:nvSpPr>
+          <p:cNvPr id="2" name="标题 1">
+            <a:extLst>
+              <a:ext uri="{FF2B5EF4-FFF2-40B4-BE49-F238E27FC236}">
+                <a16:creationId xmlns:a16="http://schemas.microsoft.com/office/drawing/2014/main" id="{6A5A1E3E-FA49-4F0E-9CB6-E172AA8E3F1D}"/>
+              </a:ext>
+            </a:extLst>
+          </p:cNvPr>
+          <p:cNvSpPr>
+            <a:spLocks noGrp="1"/>
+          </p:cNvSpPr>
+          <p:nvPr>
+            <p:ph type="title"/>
+          </p:nvPr>
+        </p:nvSpPr>
+        <p:spPr/>
+        <p:txBody>
+          <a:bodyPr>
+            <a:normAutofit fontScale="90000"/>
+          </a:bodyPr>
+          <a:lstStyle/>
+          <a:p>
+            <a:r>
+              <a:rPr lang="zh-CN" altLang="en-US" dirty="0"/>
+              <a:t>双击运行</a:t>
+            </a:r>
+            <a:r>
+              <a:rPr lang="en-US" altLang="zh-CN" dirty="0"/>
+              <a:t>`assets\rename_slide.bat`</a:t>
+            </a:r>
+            <a:r>
+              <a:rPr lang="zh-CN" altLang="en-US" dirty="0"/>
+              <a:t>，文件名将从</a:t>
+            </a:r>
+            <a:r>
+              <a:rPr lang="en-US" altLang="zh-CN" dirty="0"/>
+              <a:t>`</a:t>
+            </a:r>
+            <a:r>
+              <a:rPr lang="zh-CN" altLang="en-US" dirty="0"/>
+              <a:t>幻灯片</a:t>
+            </a:r>
+            <a:r>
+              <a:rPr lang="en-US" altLang="zh-CN" dirty="0"/>
+              <a:t>1.SVG`</a:t>
+            </a:r>
+            <a:r>
+              <a:rPr lang="zh-CN" altLang="en-US" dirty="0"/>
+              <a:t>变为</a:t>
+            </a:r>
+            <a:r>
+              <a:rPr lang="en-US" altLang="zh-CN" dirty="0"/>
+              <a:t>`00001.SVG`</a:t>
+            </a:r>
+            <a:endParaRPr lang="zh-CN" altLang="en-US" dirty="0"/>
+          </a:p>
+        </p:txBody>
+      </p:sp>
+      <p:sp>
+        <p:nvSpPr>
+          <p:cNvPr id="3" name="内容占位符 2">
+            <a:extLst>
+              <a:ext uri="{FF2B5EF4-FFF2-40B4-BE49-F238E27FC236}">
+                <a16:creationId xmlns:a16="http://schemas.microsoft.com/office/drawing/2014/main" id="{3F053252-776A-47A3-AAA3-E2DBCA23C026}"/>
+              </a:ext>
+            </a:extLst>
+          </p:cNvPr>
+          <p:cNvSpPr>
+            <a:spLocks noGrp="1"/>
+          </p:cNvSpPr>
+          <p:nvPr>
+            <p:ph idx="1"/>
+          </p:nvPr>
+        </p:nvSpPr>
+        <p:spPr/>
+        <p:txBody>
+          <a:bodyPr/>
+          <a:lstStyle/>
+          <a:p>
+            <a:r>
+              <a:rPr lang="en-US" altLang="zh-CN" dirty="0"/>
+              <a:t>double click to run `assets\rename_slide.bat`, the file name will change from `</a:t>
+            </a:r>
+            <a:r>
+              <a:rPr lang="zh-CN" altLang="en-US" dirty="0"/>
+              <a:t>幻灯片</a:t>
+            </a:r>
+            <a:r>
+              <a:rPr lang="en-US" altLang="zh-CN" dirty="0"/>
+              <a:t>1.SVG` to `00001.SVG`</a:t>
+            </a:r>
+            <a:endParaRPr lang="zh-CN" altLang="en-US" dirty="0"/>
+          </a:p>
+        </p:txBody>
+      </p:sp>
+      <p:pic>
+        <p:nvPicPr>
+          <p:cNvPr id="5" name="图片 4">
+            <a:extLst>
+              <a:ext uri="{FF2B5EF4-FFF2-40B4-BE49-F238E27FC236}">
+                <a16:creationId xmlns:a16="http://schemas.microsoft.com/office/drawing/2014/main" id="{EFE20180-E833-4D69-A61C-81213622272F}"/>
+              </a:ext>
+            </a:extLst>
+          </p:cNvPr>
+          <p:cNvPicPr>
+            <a:picLocks noChangeAspect="1"/>
+          </p:cNvPicPr>
+          <p:nvPr/>
+        </p:nvPicPr>
+        <p:blipFill>
+          <a:blip r:embed="rId2"/>
+          <a:stretch>
+            <a:fillRect/>
+          </a:stretch>
+        </p:blipFill>
+        <p:spPr>
+          <a:xfrm>
+            <a:off x="811037" y="3180546"/>
+            <a:ext cx="3057534" cy="3312328"/>
+          </a:xfrm>
+          <a:prstGeom prst="rect">
+            <a:avLst/>
+          </a:prstGeom>
+        </p:spPr>
+      </p:pic>
+      <p:pic>
+        <p:nvPicPr>
+          <p:cNvPr id="7" name="图片 6">
+            <a:extLst>
+              <a:ext uri="{FF2B5EF4-FFF2-40B4-BE49-F238E27FC236}">
+                <a16:creationId xmlns:a16="http://schemas.microsoft.com/office/drawing/2014/main" id="{33192F88-9204-4178-9AC2-2C99C7E44F73}"/>
+              </a:ext>
+            </a:extLst>
+          </p:cNvPr>
+          <p:cNvPicPr>
+            <a:picLocks noChangeAspect="1"/>
+          </p:cNvPicPr>
+          <p:nvPr/>
+        </p:nvPicPr>
+        <p:blipFill>
+          <a:blip r:embed="rId3"/>
+          <a:stretch>
+            <a:fillRect/>
+          </a:stretch>
+        </p:blipFill>
+        <p:spPr>
+          <a:xfrm>
+            <a:off x="5275431" y="3180546"/>
+            <a:ext cx="3301431" cy="3195360"/>
+          </a:xfrm>
+          <a:prstGeom prst="rect">
+            <a:avLst/>
+          </a:prstGeom>
+        </p:spPr>
+      </p:pic>
+      <p:sp>
+        <p:nvSpPr>
+          <p:cNvPr id="8" name="箭头: 右 7">
+            <a:extLst>
+              <a:ext uri="{FF2B5EF4-FFF2-40B4-BE49-F238E27FC236}">
+                <a16:creationId xmlns:a16="http://schemas.microsoft.com/office/drawing/2014/main" id="{D3FD5779-99CD-4CAE-A273-7A89B487F615}"/>
+              </a:ext>
+            </a:extLst>
+          </p:cNvPr>
+          <p:cNvSpPr/>
+          <p:nvPr/>
+        </p:nvSpPr>
+        <p:spPr>
+          <a:xfrm>
+            <a:off x="3773607" y="4369274"/>
+            <a:ext cx="1255594" cy="934871"/>
+          </a:xfrm>
+          <a:prstGeom prst="rightArrow">
+            <a:avLst/>
+          </a:prstGeom>
+        </p:spPr>
+        <p:style>
+          <a:lnRef idx="2">
+            <a:schemeClr val="accent1">
+              <a:shade val="50000"/>
+            </a:schemeClr>
+          </a:lnRef>
+          <a:fillRef idx="1">
+            <a:schemeClr val="accent1"/>
+          </a:fillRef>
+          <a:effectRef idx="0">
+            <a:schemeClr val="accent1"/>
+          </a:effectRef>
+          <a:fontRef idx="minor">
+            <a:schemeClr val="lt1"/>
+          </a:fontRef>
+        </p:style>
+        <p:txBody>
+          <a:bodyPr rtlCol="0" anchor="ctr"/>
+          <a:lstStyle/>
+          <a:p>
+            <a:pPr algn="ctr"/>
+            <a:endParaRPr lang="zh-CN" altLang="en-US"/>
+          </a:p>
+        </p:txBody>
+      </p:sp>
+    </p:spTree>
+    <p:extLst>
+      <p:ext uri="{BB962C8B-B14F-4D97-AF65-F5344CB8AC3E}">
+        <p14:creationId xmlns:p14="http://schemas.microsoft.com/office/powerpoint/2010/main" val="3830032059"/>
+      </p:ext>
+    </p:extLst>
+  </p:cSld>
+  <p:clrMapOvr>
+    <a:masterClrMapping/>
+  </p:clrMapOvr>
+</p:sld>
+</file>
+
+<file path=ppt/slides/slide7.xml><?xml version="1.0" encoding="utf-8"?>
+<p:sld xmlns:a="http://schemas.openxmlformats.org/drawingml/2006/main" xmlns:r="http://schemas.openxmlformats.org/officeDocument/2006/relationships" xmlns:p="http://schemas.openxmlformats.org/presentationml/2006/main">
+  <p:cSld>
+    <p:spTree>
+      <p:nvGrpSpPr>
+        <p:cNvPr id="1" name=""/>
+        <p:cNvGrpSpPr/>
+        <p:nvPr/>
+      </p:nvGrpSpPr>
+      <p:grpSpPr>
+        <a:xfrm>
+          <a:off x="0" y="0"/>
+          <a:ext cx="0" cy="0"/>
+          <a:chOff x="0" y="0"/>
+          <a:chExt cx="0" cy="0"/>
+        </a:xfrm>
+      </p:grpSpPr>
+      <p:sp>
+        <p:nvSpPr>
+          <p:cNvPr id="2" name="标题 1">
+            <a:extLst>
+              <a:ext uri="{FF2B5EF4-FFF2-40B4-BE49-F238E27FC236}">
+                <a16:creationId xmlns:a16="http://schemas.microsoft.com/office/drawing/2014/main" id="{86656E10-85AB-4966-B0A8-71CF7BAC0111}"/>
+              </a:ext>
+            </a:extLst>
+          </p:cNvPr>
+          <p:cNvSpPr>
+            <a:spLocks noGrp="1"/>
+          </p:cNvSpPr>
+          <p:nvPr>
+            <p:ph type="title"/>
+          </p:nvPr>
+        </p:nvSpPr>
+        <p:spPr/>
+        <p:txBody>
+          <a:bodyPr>
+            <a:normAutofit fontScale="90000"/>
+          </a:bodyPr>
+          <a:lstStyle/>
+          <a:p>
+            <a:r>
+              <a:rPr lang="zh-CN" altLang="en-US" dirty="0"/>
+              <a:t>修改</a:t>
+            </a:r>
+            <a:r>
+              <a:rPr lang="en-US" altLang="zh-CN" dirty="0"/>
+              <a:t>`index.html`</a:t>
+            </a:r>
+            <a:r>
+              <a:rPr lang="zh-CN" altLang="en-US" dirty="0"/>
+              <a:t>，将</a:t>
+            </a:r>
+            <a:r>
+              <a:rPr lang="en-US" altLang="zh-CN" dirty="0"/>
+              <a:t>`</a:t>
+            </a:r>
+            <a:r>
+              <a:rPr lang="en-US" altLang="zh-CN" dirty="0" err="1"/>
+              <a:t>totalSlides</a:t>
+            </a:r>
+            <a:r>
+              <a:rPr lang="en-US" altLang="zh-CN" dirty="0"/>
+              <a:t>`</a:t>
+            </a:r>
+            <a:r>
+              <a:rPr lang="zh-CN" altLang="en-US" dirty="0"/>
+              <a:t>变量改为幻灯片的数量，将</a:t>
+            </a:r>
+            <a:r>
+              <a:rPr lang="en-US" altLang="zh-CN" dirty="0"/>
+              <a:t>`suffix`</a:t>
+            </a:r>
+            <a:r>
+              <a:rPr lang="zh-CN" altLang="en-US" dirty="0"/>
+              <a:t>改为导出的后缀名</a:t>
+            </a:r>
+          </a:p>
+        </p:txBody>
+      </p:sp>
+      <p:sp>
+        <p:nvSpPr>
+          <p:cNvPr id="3" name="内容占位符 2">
+            <a:extLst>
+              <a:ext uri="{FF2B5EF4-FFF2-40B4-BE49-F238E27FC236}">
+                <a16:creationId xmlns:a16="http://schemas.microsoft.com/office/drawing/2014/main" id="{C49CC37B-8E41-48D6-BA31-6B2B4AD14018}"/>
+              </a:ext>
+            </a:extLst>
+          </p:cNvPr>
+          <p:cNvSpPr>
+            <a:spLocks noGrp="1"/>
+          </p:cNvSpPr>
+          <p:nvPr>
+            <p:ph idx="1"/>
+          </p:nvPr>
+        </p:nvSpPr>
+        <p:spPr/>
+        <p:txBody>
+          <a:bodyPr/>
+          <a:lstStyle/>
+          <a:p>
+            <a:r>
+              <a:rPr lang="en-US" altLang="zh-CN" dirty="0"/>
+              <a:t>Modify `index.html`, change the `</a:t>
+            </a:r>
+            <a:r>
+              <a:rPr lang="en-US" altLang="zh-CN" dirty="0" err="1"/>
+              <a:t>totalSlides</a:t>
+            </a:r>
+            <a:r>
+              <a:rPr lang="en-US" altLang="zh-CN" dirty="0"/>
+              <a:t>` variable to the number of slides, and change `suffix` to the exported suffix</a:t>
+            </a:r>
+            <a:endParaRPr lang="zh-CN" altLang="en-US" dirty="0"/>
+          </a:p>
+        </p:txBody>
+      </p:sp>
+      <p:pic>
+        <p:nvPicPr>
+          <p:cNvPr id="7" name="图片 6">
+            <a:extLst>
+              <a:ext uri="{FF2B5EF4-FFF2-40B4-BE49-F238E27FC236}">
+                <a16:creationId xmlns:a16="http://schemas.microsoft.com/office/drawing/2014/main" id="{FAEE23D2-5A27-47DF-8720-22AB425AF522}"/>
+              </a:ext>
+            </a:extLst>
+          </p:cNvPr>
+          <p:cNvPicPr>
+            <a:picLocks noChangeAspect="1"/>
+          </p:cNvPicPr>
+          <p:nvPr/>
+        </p:nvPicPr>
+        <p:blipFill>
+          <a:blip r:embed="rId2"/>
+          <a:stretch>
+            <a:fillRect/>
+          </a:stretch>
+        </p:blipFill>
+        <p:spPr>
+          <a:xfrm>
+            <a:off x="628650" y="3154279"/>
+            <a:ext cx="5854758" cy="3076618"/>
+          </a:xfrm>
+          <a:prstGeom prst="rect">
+            <a:avLst/>
+          </a:prstGeom>
+        </p:spPr>
+      </p:pic>
+      <p:sp>
+        <p:nvSpPr>
+          <p:cNvPr id="8" name="矩形: 圆角 7">
+            <a:extLst>
+              <a:ext uri="{FF2B5EF4-FFF2-40B4-BE49-F238E27FC236}">
+                <a16:creationId xmlns:a16="http://schemas.microsoft.com/office/drawing/2014/main" id="{E5F62D34-5469-4F7A-896F-1CD8316DF399}"/>
+              </a:ext>
+            </a:extLst>
+          </p:cNvPr>
+          <p:cNvSpPr/>
+          <p:nvPr/>
+        </p:nvSpPr>
+        <p:spPr>
+          <a:xfrm>
+            <a:off x="1480782" y="4237630"/>
+            <a:ext cx="2374711" cy="1064525"/>
+          </a:xfrm>
+          <a:prstGeom prst="roundRect">
+            <a:avLst/>
+          </a:prstGeom>
+          <a:noFill/>
+          <a:ln w="38100">
+            <a:solidFill>
+              <a:schemeClr val="tx1"/>
+            </a:solidFill>
+          </a:ln>
+        </p:spPr>
+        <p:style>
+          <a:lnRef idx="2">
+            <a:schemeClr val="accent6"/>
+          </a:lnRef>
+          <a:fillRef idx="1">
+            <a:schemeClr val="lt1"/>
+          </a:fillRef>
+          <a:effectRef idx="0">
+            <a:schemeClr val="accent6"/>
+          </a:effectRef>
+          <a:fontRef idx="minor">
+            <a:schemeClr val="dk1"/>
+          </a:fontRef>
+        </p:style>
+        <p:txBody>
+          <a:bodyPr rtlCol="0" anchor="ctr"/>
+          <a:lstStyle/>
+          <a:p>
+            <a:pPr algn="ctr"/>
+            <a:endParaRPr lang="zh-CN" altLang="en-US"/>
+          </a:p>
+        </p:txBody>
+      </p:sp>
+    </p:spTree>
+    <p:extLst>
+      <p:ext uri="{BB962C8B-B14F-4D97-AF65-F5344CB8AC3E}">
+        <p14:creationId xmlns:p14="http://schemas.microsoft.com/office/powerpoint/2010/main" val="3019682829"/>
+      </p:ext>
+    </p:extLst>
+  </p:cSld>
+  <p:clrMapOvr>
+    <a:masterClrMapping/>
+  </p:clrMapOvr>
+</p:sld>
+</file>
+
+<file path=ppt/slides/slide8.xml><?xml version="1.0" encoding="utf-8"?>
+<p:sld xmlns:a="http://schemas.openxmlformats.org/drawingml/2006/main" xmlns:r="http://schemas.openxmlformats.org/officeDocument/2006/relationships" xmlns:p="http://schemas.openxmlformats.org/presentationml/2006/main">
+  <p:cSld>
+    <p:spTree>
+      <p:nvGrpSpPr>
+        <p:cNvPr id="1" name=""/>
+        <p:cNvGrpSpPr/>
+        <p:nvPr/>
+      </p:nvGrpSpPr>
+      <p:grpSpPr>
+        <a:xfrm>
+          <a:off x="0" y="0"/>
+          <a:ext cx="0" cy="0"/>
+          <a:chOff x="0" y="0"/>
+          <a:chExt cx="0" cy="0"/>
+        </a:xfrm>
+      </p:grpSpPr>
+      <p:sp>
+        <p:nvSpPr>
+          <p:cNvPr id="2" name="标题 1">
+            <a:extLst>
+              <a:ext uri="{FF2B5EF4-FFF2-40B4-BE49-F238E27FC236}">
+                <a16:creationId xmlns:a16="http://schemas.microsoft.com/office/drawing/2014/main" id="{D3157C9B-5438-4E04-B631-DDEEFC4E52E6}"/>
+              </a:ext>
+            </a:extLst>
+          </p:cNvPr>
+          <p:cNvSpPr>
+            <a:spLocks noGrp="1"/>
+          </p:cNvSpPr>
+          <p:nvPr>
+            <p:ph type="title"/>
+          </p:nvPr>
+        </p:nvSpPr>
+        <p:spPr/>
+        <p:txBody>
+          <a:bodyPr/>
+          <a:lstStyle/>
+          <a:p>
+            <a:r>
+              <a:rPr lang="zh-CN" altLang="en-US" dirty="0"/>
+              <a:t>双击</a:t>
+            </a:r>
+            <a:r>
+              <a:rPr lang="en-US" altLang="zh-CN" dirty="0"/>
+              <a:t>`index.html`</a:t>
+            </a:r>
+            <a:r>
+              <a:rPr lang="zh-CN" altLang="en-US" dirty="0"/>
+              <a:t>即可打开网页</a:t>
+            </a:r>
+          </a:p>
+        </p:txBody>
+      </p:sp>
+      <p:sp>
+        <p:nvSpPr>
+          <p:cNvPr id="3" name="内容占位符 2">
+            <a:extLst>
+              <a:ext uri="{FF2B5EF4-FFF2-40B4-BE49-F238E27FC236}">
+                <a16:creationId xmlns:a16="http://schemas.microsoft.com/office/drawing/2014/main" id="{7B651840-C75C-4FB3-9235-1A33E5ED80E4}"/>
+              </a:ext>
+            </a:extLst>
+          </p:cNvPr>
+          <p:cNvSpPr>
+            <a:spLocks noGrp="1"/>
+          </p:cNvSpPr>
+          <p:nvPr>
+            <p:ph idx="1"/>
+          </p:nvPr>
+        </p:nvSpPr>
+        <p:spPr/>
+        <p:txBody>
+          <a:bodyPr/>
+          <a:lstStyle/>
+          <a:p>
+            <a:r>
+              <a:rPr lang="en-US" altLang="zh-CN" dirty="0"/>
+              <a:t>Double click `index.html` to open the page</a:t>
+            </a:r>
+            <a:endParaRPr lang="zh-CN" altLang="en-US" dirty="0"/>
+          </a:p>
+        </p:txBody>
+      </p:sp>
+      <p:pic>
+        <p:nvPicPr>
+          <p:cNvPr id="6" name="图片 5">
+            <a:extLst>
+              <a:ext uri="{FF2B5EF4-FFF2-40B4-BE49-F238E27FC236}">
+                <a16:creationId xmlns:a16="http://schemas.microsoft.com/office/drawing/2014/main" id="{7C241B47-9389-4A55-B9A2-3B43AC47D7BB}"/>
+              </a:ext>
+            </a:extLst>
+          </p:cNvPr>
+          <p:cNvPicPr>
+            <a:picLocks noChangeAspect="1"/>
+          </p:cNvPicPr>
+          <p:nvPr/>
+        </p:nvPicPr>
+        <p:blipFill>
+          <a:blip r:embed="rId2"/>
+          <a:stretch>
+            <a:fillRect/>
+          </a:stretch>
+        </p:blipFill>
+        <p:spPr>
+          <a:xfrm>
+            <a:off x="683241" y="2691422"/>
+            <a:ext cx="5697940" cy="3726389"/>
+          </a:xfrm>
+          <a:prstGeom prst="rect">
+            <a:avLst/>
+          </a:prstGeom>
+          <a:ln>
+            <a:noFill/>
+          </a:ln>
+          <a:effectLst>
+            <a:outerShdw blurRad="292100" dist="139700" dir="2700000" algn="tl" rotWithShape="0">
+              <a:srgbClr val="333333">
+                <a:alpha val="65000"/>
+              </a:srgbClr>
+            </a:outerShdw>
+          </a:effectLst>
+        </p:spPr>
+      </p:pic>
+    </p:spTree>
+    <p:extLst>
+      <p:ext uri="{BB962C8B-B14F-4D97-AF65-F5344CB8AC3E}">
+        <p14:creationId xmlns:p14="http://schemas.microsoft.com/office/powerpoint/2010/main" val="4215629649"/>
       </p:ext>
     </p:extLst>
   </p:cSld>
